--- a/HW4_VGA_clock/N06-Tutorial/專案進度報告-VGA_時鐘-吳東穎-20230223.pptx
+++ b/HW4_VGA_clock/N06-Tutorial/專案進度報告-VGA_時鐘-吳東穎-20230223.pptx
@@ -298,7 +298,7 @@
               <a:rPr lang="zh-TW" altLang="en-US" smtClean="0">
                 <a:ea typeface="標楷體" panose="03000509000000000000" pitchFamily="65" charset="-120"/>
               </a:rPr>
-              <a:t>2023/5/24</a:t>
+              <a:t>2023/5/26</a:t>
             </a:fld>
             <a:endParaRPr lang="zh-TW" altLang="en-US" dirty="0">
               <a:ea typeface="標楷體" panose="03000509000000000000" pitchFamily="65" charset="-120"/>
@@ -476,7 +476,7 @@
             <a:fld id="{2CB905C5-9D54-40E2-B40C-7996280CAB02}" type="datetimeFigureOut">
               <a:rPr lang="zh-TW" altLang="en-US" smtClean="0"/>
               <a:pPr/>
-              <a:t>2023/5/24</a:t>
+              <a:t>2023/5/26</a:t>
             </a:fld>
             <a:endParaRPr lang="zh-TW" altLang="en-US" dirty="0"/>
           </a:p>
@@ -1554,7 +1554,7 @@
           <a:p>
             <a:fld id="{0C0CC965-A63A-473D-BEFB-C8F9714D5269}" type="datetimeFigureOut">
               <a:rPr lang="zh-TW" altLang="en-US" smtClean="0"/>
-              <a:t>2023/5/24</a:t>
+              <a:t>2023/5/26</a:t>
             </a:fld>
             <a:endParaRPr lang="zh-TW" altLang="en-US"/>
           </a:p>
@@ -1722,7 +1722,7 @@
           <a:p>
             <a:fld id="{0C0CC965-A63A-473D-BEFB-C8F9714D5269}" type="datetimeFigureOut">
               <a:rPr lang="zh-TW" altLang="en-US" smtClean="0"/>
-              <a:t>2023/5/24</a:t>
+              <a:t>2023/5/26</a:t>
             </a:fld>
             <a:endParaRPr lang="zh-TW" altLang="en-US"/>
           </a:p>
@@ -1900,7 +1900,7 @@
           <a:p>
             <a:fld id="{0C0CC965-A63A-473D-BEFB-C8F9714D5269}" type="datetimeFigureOut">
               <a:rPr lang="zh-TW" altLang="en-US" smtClean="0"/>
-              <a:t>2023/5/24</a:t>
+              <a:t>2023/5/26</a:t>
             </a:fld>
             <a:endParaRPr lang="zh-TW" altLang="en-US"/>
           </a:p>
@@ -2122,7 +2122,7 @@
           <a:p>
             <a:fld id="{0C0CC965-A63A-473D-BEFB-C8F9714D5269}" type="datetimeFigureOut">
               <a:rPr lang="zh-TW" altLang="en-US" smtClean="0"/>
-              <a:t>2023/5/24</a:t>
+              <a:t>2023/5/26</a:t>
             </a:fld>
             <a:endParaRPr lang="zh-TW" altLang="en-US"/>
           </a:p>
@@ -2317,7 +2317,7 @@
           <a:p>
             <a:fld id="{0C0CC965-A63A-473D-BEFB-C8F9714D5269}" type="datetimeFigureOut">
               <a:rPr lang="zh-TW" altLang="en-US" smtClean="0"/>
-              <a:t>2023/5/24</a:t>
+              <a:t>2023/5/26</a:t>
             </a:fld>
             <a:endParaRPr lang="zh-TW" altLang="en-US"/>
           </a:p>
@@ -2562,7 +2562,7 @@
           <a:p>
             <a:fld id="{0C0CC965-A63A-473D-BEFB-C8F9714D5269}" type="datetimeFigureOut">
               <a:rPr lang="zh-TW" altLang="en-US" smtClean="0"/>
-              <a:t>2023/5/24</a:t>
+              <a:t>2023/5/26</a:t>
             </a:fld>
             <a:endParaRPr lang="zh-TW" altLang="en-US"/>
           </a:p>
@@ -2791,7 +2791,7 @@
           <a:p>
             <a:fld id="{0C0CC965-A63A-473D-BEFB-C8F9714D5269}" type="datetimeFigureOut">
               <a:rPr lang="zh-TW" altLang="en-US" smtClean="0"/>
-              <a:t>2023/5/24</a:t>
+              <a:t>2023/5/26</a:t>
             </a:fld>
             <a:endParaRPr lang="zh-TW" altLang="en-US"/>
           </a:p>
@@ -3155,7 +3155,7 @@
           <a:p>
             <a:fld id="{0C0CC965-A63A-473D-BEFB-C8F9714D5269}" type="datetimeFigureOut">
               <a:rPr lang="zh-TW" altLang="en-US" smtClean="0"/>
-              <a:t>2023/5/24</a:t>
+              <a:t>2023/5/26</a:t>
             </a:fld>
             <a:endParaRPr lang="zh-TW" altLang="en-US"/>
           </a:p>
@@ -3272,7 +3272,7 @@
           <a:p>
             <a:fld id="{0C0CC965-A63A-473D-BEFB-C8F9714D5269}" type="datetimeFigureOut">
               <a:rPr lang="zh-TW" altLang="en-US" smtClean="0"/>
-              <a:t>2023/5/24</a:t>
+              <a:t>2023/5/26</a:t>
             </a:fld>
             <a:endParaRPr lang="zh-TW" altLang="en-US"/>
           </a:p>
@@ -3367,7 +3367,7 @@
           <a:p>
             <a:fld id="{0C0CC965-A63A-473D-BEFB-C8F9714D5269}" type="datetimeFigureOut">
               <a:rPr lang="zh-TW" altLang="en-US" smtClean="0"/>
-              <a:t>2023/5/24</a:t>
+              <a:t>2023/5/26</a:t>
             </a:fld>
             <a:endParaRPr lang="zh-TW" altLang="en-US"/>
           </a:p>
@@ -3642,7 +3642,7 @@
           <a:p>
             <a:fld id="{0C0CC965-A63A-473D-BEFB-C8F9714D5269}" type="datetimeFigureOut">
               <a:rPr lang="zh-TW" altLang="en-US" smtClean="0"/>
-              <a:t>2023/5/24</a:t>
+              <a:t>2023/5/26</a:t>
             </a:fld>
             <a:endParaRPr lang="zh-TW" altLang="en-US"/>
           </a:p>
@@ -3894,7 +3894,7 @@
           <a:p>
             <a:fld id="{0C0CC965-A63A-473D-BEFB-C8F9714D5269}" type="datetimeFigureOut">
               <a:rPr lang="zh-TW" altLang="en-US" smtClean="0"/>
-              <a:t>2023/5/24</a:t>
+              <a:t>2023/5/26</a:t>
             </a:fld>
             <a:endParaRPr lang="zh-TW" altLang="en-US"/>
           </a:p>
@@ -4108,7 +4108,7 @@
             <a:fld id="{0C0CC965-A63A-473D-BEFB-C8F9714D5269}" type="datetimeFigureOut">
               <a:rPr lang="zh-TW" altLang="en-US" smtClean="0"/>
               <a:pPr/>
-              <a:t>2023/5/24</a:t>
+              <a:t>2023/5/26</a:t>
             </a:fld>
             <a:endParaRPr lang="zh-TW" altLang="en-US"/>
           </a:p>
@@ -7586,7 +7586,7 @@
         <p:spPr>
           <a:xfrm>
             <a:off x="92279" y="1235933"/>
-            <a:ext cx="3120704" cy="707886"/>
+            <a:ext cx="3120704" cy="1015663"/>
           </a:xfrm>
           <a:prstGeom prst="rect">
             <a:avLst/>
@@ -7605,6 +7605,20 @@
                 <a:ea typeface="標楷體" panose="03000509000000000000" pitchFamily="65" charset="-120"/>
               </a:rPr>
               <a:t>本週更新：</a:t>
+            </a:r>
+            <a:endParaRPr lang="en-US" altLang="zh-TW" sz="2000" dirty="0">
+              <a:latin typeface="Times New Roman" panose="02020603050405020304" pitchFamily="18" charset="0"/>
+              <a:ea typeface="標楷體" panose="03000509000000000000" pitchFamily="65" charset="-120"/>
+            </a:endParaRPr>
+          </a:p>
+          <a:p>
+            <a:pPr marL="285750" lvl="1" indent="-285750"/>
+            <a:r>
+              <a:rPr lang="en-US" altLang="zh-TW" sz="2000">
+                <a:latin typeface="Times New Roman" panose="02020603050405020304" pitchFamily="18" charset="0"/>
+                <a:ea typeface="標楷體" panose="03000509000000000000" pitchFamily="65" charset="-120"/>
+              </a:rPr>
+              <a:t>N02-Architecture</a:t>
             </a:r>
             <a:endParaRPr lang="en-US" altLang="zh-TW" sz="2000" dirty="0">
               <a:latin typeface="Times New Roman" panose="02020603050405020304" pitchFamily="18" charset="0"/>
